--- a/Presentation.pptx
+++ b/Presentation.pptx
@@ -22,7 +22,6 @@
     <p:sldId id="267" r:id="rId19"/>
     <p:sldId id="268" r:id="rId20"/>
     <p:sldId id="269" r:id="rId21"/>
-    <p:sldId id="270" r:id="rId22"/>
   </p:sldIdLst>
   <p:sldSz cx="9144000" cy="5143500"/>
   <p:notesSz cx="6858000" cy="9144000"/>
@@ -702,8 +701,8 @@
         </p:nvSpPr>
         <p:spPr>
           <a:xfrm>
-            <a:off x="228600" y="1093468"/>
-            <a:ext cx="4114800" cy="3589658"/>
+            <a:off x="228600" y="1093469"/>
+            <a:ext cx="4114800" cy="3589657"/>
           </a:xfrm>
           <a:prstGeom prst="rect">
             <a:avLst/>
@@ -729,7 +728,7 @@
         </p:nvSpPr>
         <p:spPr>
           <a:xfrm>
-            <a:off x="8788400" y="4831559"/>
+            <a:off x="8788399" y="4831559"/>
             <a:ext cx="127001" cy="127001"/>
           </a:xfrm>
           <a:prstGeom prst="rect">
@@ -942,7 +941,7 @@
         <p:spPr>
           <a:xfrm>
             <a:off x="4700392" y="1090961"/>
-            <a:ext cx="4215009" cy="3456433"/>
+            <a:ext cx="4215008" cy="3456433"/>
           </a:xfrm>
           <a:prstGeom prst="rect">
             <a:avLst/>
@@ -968,7 +967,7 @@
         </p:nvSpPr>
         <p:spPr>
           <a:xfrm>
-            <a:off x="8788400" y="4831559"/>
+            <a:off x="8788399" y="4831559"/>
             <a:ext cx="127001" cy="127001"/>
           </a:xfrm>
           <a:prstGeom prst="rect">
@@ -1127,7 +1126,7 @@
         </p:nvSpPr>
         <p:spPr>
           <a:xfrm>
-            <a:off x="8788400" y="4831559"/>
+            <a:off x="8788399" y="4831559"/>
             <a:ext cx="127001" cy="127001"/>
           </a:xfrm>
           <a:prstGeom prst="rect">
@@ -1194,7 +1193,7 @@
         </p:nvSpPr>
         <p:spPr>
           <a:xfrm>
-            <a:off x="8788400" y="4831559"/>
+            <a:off x="8788399" y="4831559"/>
             <a:ext cx="127001" cy="127001"/>
           </a:xfrm>
           <a:prstGeom prst="rect">
@@ -1472,7 +1471,7 @@
         </p:nvSpPr>
         <p:spPr>
           <a:xfrm>
-            <a:off x="8788400" y="4831559"/>
+            <a:off x="8788399" y="4831559"/>
             <a:ext cx="127001" cy="127001"/>
           </a:xfrm>
           <a:prstGeom prst="rect">
@@ -1568,7 +1567,7 @@
         </p:nvSpPr>
         <p:spPr>
           <a:xfrm>
-            <a:off x="8788400" y="4831559"/>
+            <a:off x="8788399" y="4831559"/>
             <a:ext cx="127001" cy="127001"/>
           </a:xfrm>
           <a:prstGeom prst="rect">
@@ -1965,7 +1964,7 @@
         </p:nvSpPr>
         <p:spPr>
           <a:xfrm>
-            <a:off x="8788400" y="4831559"/>
+            <a:off x="8788399" y="4831559"/>
             <a:ext cx="127001" cy="127001"/>
           </a:xfrm>
           <a:prstGeom prst="rect">
@@ -2215,7 +2214,7 @@
         </p:nvSpPr>
         <p:spPr>
           <a:xfrm>
-            <a:off x="8788400" y="4831559"/>
+            <a:off x="8788399" y="4831559"/>
             <a:ext cx="127001" cy="127001"/>
           </a:xfrm>
           <a:prstGeom prst="rect">
@@ -2373,7 +2372,7 @@
         </p:nvSpPr>
         <p:spPr>
           <a:xfrm>
-            <a:off x="8788400" y="4831559"/>
+            <a:off x="8788399" y="4831559"/>
             <a:ext cx="127001" cy="127001"/>
           </a:xfrm>
           <a:prstGeom prst="rect">
@@ -2588,7 +2587,7 @@
         </p:nvSpPr>
         <p:spPr>
           <a:xfrm>
-            <a:off x="8788400" y="4831559"/>
+            <a:off x="8788399" y="4831559"/>
             <a:ext cx="127001" cy="127001"/>
           </a:xfrm>
           <a:prstGeom prst="rect">
@@ -2836,7 +2835,7 @@
         </p:nvSpPr>
         <p:spPr>
           <a:xfrm>
-            <a:off x="8788400" y="4831559"/>
+            <a:off x="8788399" y="4831559"/>
             <a:ext cx="127001" cy="127001"/>
           </a:xfrm>
           <a:prstGeom prst="rect">
@@ -2939,7 +2938,7 @@
         </p:nvSpPr>
         <p:spPr>
           <a:xfrm>
-            <a:off x="8788400" y="4831559"/>
+            <a:off x="8788399" y="4831559"/>
             <a:ext cx="127001" cy="127001"/>
           </a:xfrm>
           <a:prstGeom prst="rect">
@@ -3042,7 +3041,7 @@
         </p:nvSpPr>
         <p:spPr>
           <a:xfrm>
-            <a:off x="8788400" y="4831559"/>
+            <a:off x="8788399" y="4831559"/>
             <a:ext cx="127001" cy="127001"/>
           </a:xfrm>
           <a:prstGeom prst="rect">
@@ -3262,7 +3261,7 @@
         </p:nvSpPr>
         <p:spPr>
           <a:xfrm>
-            <a:off x="8788400" y="4831559"/>
+            <a:off x="8788399" y="4831559"/>
             <a:ext cx="127001" cy="127001"/>
           </a:xfrm>
           <a:prstGeom prst="rect">
@@ -3470,8 +3469,8 @@
         </p:nvSpPr>
         <p:spPr>
           <a:xfrm>
-            <a:off x="4800600" y="1124710"/>
-            <a:ext cx="4114800" cy="3585849"/>
+            <a:off x="4800600" y="1124711"/>
+            <a:ext cx="4114800" cy="3585848"/>
           </a:xfrm>
           <a:prstGeom prst="rect">
             <a:avLst/>
@@ -3497,7 +3496,7 @@
         </p:nvSpPr>
         <p:spPr>
           <a:xfrm>
-            <a:off x="8788400" y="4831559"/>
+            <a:off x="8788399" y="4831559"/>
             <a:ext cx="127001" cy="127001"/>
           </a:xfrm>
           <a:prstGeom prst="rect">
@@ -3717,8 +3716,8 @@
         </p:nvSpPr>
         <p:spPr>
           <a:xfrm>
-            <a:off x="228600" y="1093468"/>
-            <a:ext cx="4114800" cy="3589658"/>
+            <a:off x="228600" y="1093469"/>
+            <a:ext cx="4114800" cy="3589657"/>
           </a:xfrm>
           <a:prstGeom prst="rect">
             <a:avLst/>
@@ -3744,7 +3743,7 @@
         </p:nvSpPr>
         <p:spPr>
           <a:xfrm>
-            <a:off x="8788400" y="4831559"/>
+            <a:off x="8788399" y="4831559"/>
             <a:ext cx="127001" cy="127001"/>
           </a:xfrm>
           <a:prstGeom prst="rect">
@@ -3937,7 +3936,7 @@
         </p:nvSpPr>
         <p:spPr>
           <a:xfrm>
-            <a:off x="8788400" y="4831559"/>
+            <a:off x="8788399" y="4831559"/>
             <a:ext cx="127001" cy="127001"/>
           </a:xfrm>
           <a:prstGeom prst="rect">
@@ -4240,7 +4239,7 @@
         </p:nvSpPr>
         <p:spPr>
           <a:xfrm>
-            <a:off x="8788400" y="4831559"/>
+            <a:off x="8788399" y="4831559"/>
             <a:ext cx="127001" cy="127001"/>
           </a:xfrm>
           <a:prstGeom prst="rect">
@@ -4433,8 +4432,8 @@
         </p:nvSpPr>
         <p:spPr>
           <a:xfrm>
-            <a:off x="228600" y="1097279"/>
-            <a:ext cx="4114800" cy="3585847"/>
+            <a:off x="228600" y="1097280"/>
+            <a:ext cx="4114800" cy="3585846"/>
           </a:xfrm>
           <a:prstGeom prst="rect">
             <a:avLst/>
@@ -4485,7 +4484,7 @@
         </p:nvSpPr>
         <p:spPr>
           <a:xfrm>
-            <a:off x="8788400" y="4831559"/>
+            <a:off x="8788399" y="4831559"/>
             <a:ext cx="127001" cy="127001"/>
           </a:xfrm>
           <a:prstGeom prst="rect">
@@ -4753,7 +4752,7 @@
         </p:nvSpPr>
         <p:spPr>
           <a:xfrm>
-            <a:off x="8788400" y="4831559"/>
+            <a:off x="8788399" y="4831559"/>
             <a:ext cx="127001" cy="127001"/>
           </a:xfrm>
           <a:prstGeom prst="rect">
@@ -4992,7 +4991,7 @@
         </p:nvSpPr>
         <p:spPr>
           <a:xfrm>
-            <a:off x="8788400" y="4831559"/>
+            <a:off x="8788399" y="4831559"/>
             <a:ext cx="127001" cy="127001"/>
           </a:xfrm>
           <a:prstGeom prst="rect">
@@ -5241,7 +5240,7 @@
         </p:nvSpPr>
         <p:spPr>
           <a:xfrm>
-            <a:off x="8788400" y="4831559"/>
+            <a:off x="8788399" y="4831559"/>
             <a:ext cx="127001" cy="127001"/>
           </a:xfrm>
           <a:prstGeom prst="rect">
@@ -5472,7 +5471,7 @@
         </p:nvSpPr>
         <p:spPr>
           <a:xfrm>
-            <a:off x="8788400" y="4831559"/>
+            <a:off x="8788399" y="4831559"/>
             <a:ext cx="127001" cy="127001"/>
           </a:xfrm>
           <a:prstGeom prst="rect">
@@ -5592,7 +5591,7 @@
         </p:nvSpPr>
         <p:spPr>
           <a:xfrm>
-            <a:off x="8788400" y="4831559"/>
+            <a:off x="8788399" y="4831559"/>
             <a:ext cx="127001" cy="127001"/>
           </a:xfrm>
           <a:prstGeom prst="rect">
@@ -5695,7 +5694,7 @@
         </p:nvSpPr>
         <p:spPr>
           <a:xfrm>
-            <a:off x="8788400" y="4831559"/>
+            <a:off x="8788399" y="4831559"/>
             <a:ext cx="127001" cy="127001"/>
           </a:xfrm>
           <a:prstGeom prst="rect">
@@ -5798,7 +5797,7 @@
         </p:nvSpPr>
         <p:spPr>
           <a:xfrm>
-            <a:off x="8788400" y="4831559"/>
+            <a:off x="8788399" y="4831559"/>
             <a:ext cx="127001" cy="127001"/>
           </a:xfrm>
           <a:prstGeom prst="rect">
@@ -5949,8 +5948,8 @@
         </p:nvSpPr>
         <p:spPr>
           <a:xfrm>
-            <a:off x="228600" y="1097279"/>
-            <a:ext cx="4114800" cy="3488732"/>
+            <a:off x="228600" y="1097280"/>
+            <a:ext cx="4114800" cy="3488731"/>
           </a:xfrm>
           <a:prstGeom prst="rect">
             <a:avLst/>
@@ -5976,7 +5975,7 @@
         </p:nvSpPr>
         <p:spPr>
           <a:xfrm>
-            <a:off x="8788400" y="4831559"/>
+            <a:off x="8788399" y="4831559"/>
             <a:ext cx="127001" cy="127001"/>
           </a:xfrm>
           <a:prstGeom prst="rect">
@@ -6123,7 +6122,7 @@
         </p:nvSpPr>
         <p:spPr>
           <a:xfrm>
-            <a:off x="8788400" y="4831559"/>
+            <a:off x="8788399" y="4831559"/>
             <a:ext cx="127001" cy="127001"/>
           </a:xfrm>
           <a:prstGeom prst="rect">
@@ -6274,7 +6273,7 @@
         </p:nvSpPr>
         <p:spPr>
           <a:xfrm>
-            <a:off x="8788400" y="4831559"/>
+            <a:off x="8788399" y="4831559"/>
             <a:ext cx="127001" cy="127001"/>
           </a:xfrm>
           <a:prstGeom prst="rect">
@@ -6364,7 +6363,7 @@
         </p:nvSpPr>
         <p:spPr>
           <a:xfrm>
-            <a:off x="8788400" y="4831559"/>
+            <a:off x="8788399" y="4831559"/>
             <a:ext cx="127001" cy="127001"/>
           </a:xfrm>
           <a:prstGeom prst="rect">
@@ -6547,8 +6546,8 @@
         </p:nvSpPr>
         <p:spPr>
           <a:xfrm>
-            <a:off x="228600" y="1097279"/>
-            <a:ext cx="4114800" cy="3585847"/>
+            <a:off x="228600" y="1097280"/>
+            <a:ext cx="4114800" cy="3585846"/>
           </a:xfrm>
           <a:prstGeom prst="rect">
             <a:avLst/>
@@ -6574,7 +6573,7 @@
         </p:nvSpPr>
         <p:spPr>
           <a:xfrm>
-            <a:off x="8788400" y="4831559"/>
+            <a:off x="8788399" y="4831559"/>
             <a:ext cx="127001" cy="127001"/>
           </a:xfrm>
           <a:prstGeom prst="rect">
@@ -6695,7 +6694,7 @@
         </p:nvSpPr>
         <p:spPr>
           <a:xfrm>
-            <a:off x="8788400" y="4831559"/>
+            <a:off x="8788399" y="4831559"/>
             <a:ext cx="127001" cy="127001"/>
           </a:xfrm>
           <a:prstGeom prst="rect">
@@ -6835,7 +6834,7 @@
         </p:nvSpPr>
         <p:spPr>
           <a:xfrm>
-            <a:off x="8788400" y="4831559"/>
+            <a:off x="8788399" y="4831559"/>
             <a:ext cx="127001" cy="127001"/>
           </a:xfrm>
           <a:prstGeom prst="rect">
@@ -7022,7 +7021,7 @@
         </p:nvSpPr>
         <p:spPr>
           <a:xfrm>
-            <a:off x="8788400" y="4831559"/>
+            <a:off x="8788399" y="4831559"/>
             <a:ext cx="127001" cy="127001"/>
           </a:xfrm>
           <a:prstGeom prst="rect">
@@ -7215,7 +7214,7 @@
         </p:nvSpPr>
         <p:spPr>
           <a:xfrm>
-            <a:off x="8788400" y="4831559"/>
+            <a:off x="8788399" y="4831559"/>
             <a:ext cx="127001" cy="127001"/>
           </a:xfrm>
           <a:prstGeom prst="rect">
@@ -7408,7 +7407,7 @@
         </p:nvSpPr>
         <p:spPr>
           <a:xfrm>
-            <a:off x="8788400" y="4831559"/>
+            <a:off x="8788399" y="4831559"/>
             <a:ext cx="127001" cy="127001"/>
           </a:xfrm>
           <a:prstGeom prst="rect">
@@ -7653,7 +7652,7 @@
         </p:nvSpPr>
         <p:spPr>
           <a:xfrm>
-            <a:off x="8788400" y="4831559"/>
+            <a:off x="8788399" y="4831559"/>
             <a:ext cx="127001" cy="127001"/>
           </a:xfrm>
           <a:prstGeom prst="rect">
@@ -7874,7 +7873,7 @@
         <p:spPr>
           <a:xfrm>
             <a:off x="4700392" y="1090961"/>
-            <a:ext cx="4215009" cy="3456433"/>
+            <a:ext cx="4215008" cy="3456433"/>
           </a:xfrm>
           <a:prstGeom prst="rect">
             <a:avLst/>
@@ -7900,7 +7899,7 @@
         </p:nvSpPr>
         <p:spPr>
           <a:xfrm>
-            <a:off x="8788400" y="4831559"/>
+            <a:off x="8788399" y="4831559"/>
             <a:ext cx="127001" cy="127001"/>
           </a:xfrm>
           <a:prstGeom prst="rect">
@@ -8059,7 +8058,7 @@
         </p:nvSpPr>
         <p:spPr>
           <a:xfrm>
-            <a:off x="8788400" y="4831559"/>
+            <a:off x="8788399" y="4831559"/>
             <a:ext cx="127001" cy="127001"/>
           </a:xfrm>
           <a:prstGeom prst="rect">
@@ -8126,7 +8125,7 @@
         </p:nvSpPr>
         <p:spPr>
           <a:xfrm>
-            <a:off x="8788400" y="4831559"/>
+            <a:off x="8788399" y="4831559"/>
             <a:ext cx="127001" cy="127001"/>
           </a:xfrm>
           <a:prstGeom prst="rect">
@@ -8393,7 +8392,7 @@
         </p:nvSpPr>
         <p:spPr>
           <a:xfrm>
-            <a:off x="8788400" y="4831559"/>
+            <a:off x="8788399" y="4831559"/>
             <a:ext cx="127001" cy="127001"/>
           </a:xfrm>
           <a:prstGeom prst="rect">
@@ -8608,7 +8607,7 @@
         </p:nvSpPr>
         <p:spPr>
           <a:xfrm>
-            <a:off x="8788400" y="4831559"/>
+            <a:off x="8788399" y="4831559"/>
             <a:ext cx="127001" cy="127001"/>
           </a:xfrm>
           <a:prstGeom prst="rect">
@@ -8704,7 +8703,7 @@
         </p:nvSpPr>
         <p:spPr>
           <a:xfrm>
-            <a:off x="8788400" y="4831559"/>
+            <a:off x="8788399" y="4831559"/>
             <a:ext cx="127001" cy="127001"/>
           </a:xfrm>
           <a:prstGeom prst="rect">
@@ -9123,8 +9122,8 @@
         </p:nvSpPr>
         <p:spPr>
           <a:xfrm>
-            <a:off x="0" y="4921796"/>
-            <a:ext cx="9144001" cy="2"/>
+            <a:off x="-1" y="4921796"/>
+            <a:ext cx="9144001" cy="1"/>
           </a:xfrm>
           <a:prstGeom prst="line">
             <a:avLst/>
@@ -9152,7 +9151,7 @@
         <p:spPr>
           <a:xfrm>
             <a:off x="265111" y="4923754"/>
-            <a:ext cx="1880234" cy="240662"/>
+            <a:ext cx="1880234" cy="240663"/>
           </a:xfrm>
           <a:prstGeom prst="rect">
             <a:avLst/>
@@ -9278,8 +9277,8 @@
         </p:nvSpPr>
         <p:spPr>
           <a:xfrm>
-            <a:off x="0" y="4898735"/>
-            <a:ext cx="9144001" cy="2"/>
+            <a:off x="-1" y="4898735"/>
+            <a:ext cx="9144001" cy="1"/>
           </a:xfrm>
           <a:prstGeom prst="line">
             <a:avLst/>
@@ -9307,7 +9306,7 @@
         <p:spPr>
           <a:xfrm>
             <a:off x="265111" y="4900693"/>
-            <a:ext cx="1880234" cy="240662"/>
+            <a:ext cx="1880234" cy="240663"/>
           </a:xfrm>
           <a:prstGeom prst="rect">
             <a:avLst/>
@@ -9611,14 +9610,14 @@
             <a:alphaModFix amt="30000"/>
             <a:extLst/>
           </a:blip>
-          <a:srcRect l="0" t="89113" r="0" b="0"/>
+          <a:srcRect l="0" t="89112" r="0" b="0"/>
           <a:stretch>
             <a:fillRect/>
           </a:stretch>
         </p:blipFill>
         <p:spPr>
           <a:xfrm>
-            <a:off x="0" y="4638488"/>
+            <a:off x="0" y="4638487"/>
             <a:ext cx="9144000" cy="505013"/>
           </a:xfrm>
           <a:prstGeom prst="rect">
@@ -9932,7 +9931,7 @@
         </p:nvSpPr>
         <p:spPr>
           <a:xfrm>
-            <a:off x="8788400" y="4831559"/>
+            <a:off x="8788399" y="4831559"/>
             <a:ext cx="127001" cy="127001"/>
           </a:xfrm>
           <a:prstGeom prst="rect">
@@ -10140,7 +10139,7 @@
         </p:nvSpPr>
         <p:spPr>
           <a:xfrm>
-            <a:off x="8788400" y="4831559"/>
+            <a:off x="8788399" y="4831559"/>
             <a:ext cx="127001" cy="127001"/>
           </a:xfrm>
           <a:prstGeom prst="rect">
@@ -10245,7 +10244,7 @@
         </p:nvSpPr>
         <p:spPr>
           <a:xfrm>
-            <a:off x="8788400" y="4831559"/>
+            <a:off x="8788399" y="4831559"/>
             <a:ext cx="127001" cy="127001"/>
           </a:xfrm>
           <a:prstGeom prst="rect">
@@ -10325,7 +10324,7 @@
         </p:nvSpPr>
         <p:spPr>
           <a:xfrm>
-            <a:off x="8788400" y="4831559"/>
+            <a:off x="8788399" y="4831559"/>
             <a:ext cx="127001" cy="127001"/>
           </a:xfrm>
           <a:prstGeom prst="rect">
@@ -10405,7 +10404,7 @@
         </p:nvSpPr>
         <p:spPr>
           <a:xfrm>
-            <a:off x="8788400" y="4831559"/>
+            <a:off x="8788399" y="4831559"/>
             <a:ext cx="127001" cy="127001"/>
           </a:xfrm>
           <a:prstGeom prst="rect">
@@ -10485,7 +10484,7 @@
         </p:nvSpPr>
         <p:spPr>
           <a:xfrm>
-            <a:off x="8788400" y="4831559"/>
+            <a:off x="8788399" y="4831559"/>
             <a:ext cx="127001" cy="127001"/>
           </a:xfrm>
           <a:prstGeom prst="rect">
@@ -10594,8 +10593,8 @@
         </p:nvSpPr>
         <p:spPr>
           <a:xfrm>
-            <a:off x="228600" y="182878"/>
-            <a:ext cx="4114800" cy="300040"/>
+            <a:off x="228600" y="182879"/>
+            <a:ext cx="4114800" cy="300039"/>
           </a:xfrm>
           <a:prstGeom prst="rect">
             <a:avLst/>
@@ -10621,8 +10620,8 @@
         </p:nvSpPr>
         <p:spPr>
           <a:xfrm>
-            <a:off x="228600" y="1097279"/>
-            <a:ext cx="4114800" cy="3488732"/>
+            <a:off x="228600" y="1097280"/>
+            <a:ext cx="4114800" cy="3488731"/>
           </a:xfrm>
           <a:prstGeom prst="rect">
             <a:avLst/>
@@ -10648,7 +10647,7 @@
         </p:nvSpPr>
         <p:spPr>
           <a:xfrm>
-            <a:off x="8788400" y="4831559"/>
+            <a:off x="8788399" y="4831559"/>
             <a:ext cx="127001" cy="127001"/>
           </a:xfrm>
           <a:prstGeom prst="rect">
@@ -10788,7 +10787,7 @@
         </p:nvSpPr>
         <p:spPr>
           <a:xfrm>
-            <a:off x="8788400" y="4831559"/>
+            <a:off x="8788399" y="4831559"/>
             <a:ext cx="127001" cy="127001"/>
           </a:xfrm>
           <a:prstGeom prst="rect">
@@ -10932,7 +10931,7 @@
         </p:nvSpPr>
         <p:spPr>
           <a:xfrm>
-            <a:off x="8788400" y="4831559"/>
+            <a:off x="8788399" y="4831559"/>
             <a:ext cx="127001" cy="127001"/>
           </a:xfrm>
           <a:prstGeom prst="rect">
@@ -11015,7 +11014,7 @@
         </p:nvSpPr>
         <p:spPr>
           <a:xfrm>
-            <a:off x="8788400" y="4831559"/>
+            <a:off x="8788399" y="4831559"/>
             <a:ext cx="127001" cy="127001"/>
           </a:xfrm>
           <a:prstGeom prst="rect">
@@ -11129,7 +11128,7 @@
         </p:nvSpPr>
         <p:spPr>
           <a:xfrm>
-            <a:off x="8788400" y="4831559"/>
+            <a:off x="8788399" y="4831559"/>
             <a:ext cx="127001" cy="127001"/>
           </a:xfrm>
           <a:prstGeom prst="rect">
@@ -11254,7 +11253,7 @@
         </p:nvSpPr>
         <p:spPr>
           <a:xfrm>
-            <a:off x="8788400" y="4831559"/>
+            <a:off x="8788399" y="4831559"/>
             <a:ext cx="127001" cy="127001"/>
           </a:xfrm>
           <a:prstGeom prst="rect">
@@ -11406,7 +11405,7 @@
         </p:nvSpPr>
         <p:spPr>
           <a:xfrm>
-            <a:off x="8788400" y="4831559"/>
+            <a:off x="8788399" y="4831559"/>
             <a:ext cx="127001" cy="127001"/>
           </a:xfrm>
           <a:prstGeom prst="rect">
@@ -11545,7 +11544,7 @@
         </p:nvSpPr>
         <p:spPr>
           <a:xfrm>
-            <a:off x="8788400" y="4831559"/>
+            <a:off x="8788399" y="4831559"/>
             <a:ext cx="127001" cy="127001"/>
           </a:xfrm>
           <a:prstGeom prst="rect">
@@ -11684,7 +11683,7 @@
         </p:nvSpPr>
         <p:spPr>
           <a:xfrm>
-            <a:off x="8788400" y="4831559"/>
+            <a:off x="8788399" y="4831559"/>
             <a:ext cx="127001" cy="127001"/>
           </a:xfrm>
           <a:prstGeom prst="rect">
@@ -11886,7 +11885,7 @@
         </p:nvSpPr>
         <p:spPr>
           <a:xfrm>
-            <a:off x="8788400" y="4831559"/>
+            <a:off x="8788399" y="4831559"/>
             <a:ext cx="127001" cy="127001"/>
           </a:xfrm>
           <a:prstGeom prst="rect">
@@ -12096,7 +12095,7 @@
         </p:nvSpPr>
         <p:spPr>
           <a:xfrm>
-            <a:off x="8788400" y="4831559"/>
+            <a:off x="8788399" y="4831559"/>
             <a:ext cx="127001" cy="127001"/>
           </a:xfrm>
           <a:prstGeom prst="rect">
@@ -12247,7 +12246,7 @@
         <p:spPr>
           <a:xfrm>
             <a:off x="2514600" y="1116012"/>
-            <a:ext cx="1828800" cy="3456435"/>
+            <a:ext cx="1828800" cy="3456434"/>
           </a:xfrm>
           <a:prstGeom prst="rect">
             <a:avLst/>
@@ -12274,7 +12273,7 @@
         <p:spPr>
           <a:xfrm>
             <a:off x="4700392" y="1051560"/>
-            <a:ext cx="4215009" cy="3456433"/>
+            <a:ext cx="4215008" cy="3456433"/>
           </a:xfrm>
           <a:prstGeom prst="rect">
             <a:avLst/>
@@ -12300,7 +12299,7 @@
         </p:nvSpPr>
         <p:spPr>
           <a:xfrm>
-            <a:off x="8788400" y="4831559"/>
+            <a:off x="8788399" y="4831559"/>
             <a:ext cx="127001" cy="127001"/>
           </a:xfrm>
           <a:prstGeom prst="rect">
@@ -12424,7 +12423,7 @@
         </p:nvSpPr>
         <p:spPr>
           <a:xfrm>
-            <a:off x="8788400" y="4831559"/>
+            <a:off x="8788399" y="4831559"/>
             <a:ext cx="127001" cy="127001"/>
           </a:xfrm>
           <a:prstGeom prst="rect">
@@ -12476,7 +12475,7 @@
         </p:nvSpPr>
         <p:spPr>
           <a:xfrm>
-            <a:off x="8788400" y="4831559"/>
+            <a:off x="8788399" y="4831559"/>
             <a:ext cx="127001" cy="127001"/>
           </a:xfrm>
           <a:prstGeom prst="rect">
@@ -12704,7 +12703,7 @@
         </p:nvSpPr>
         <p:spPr>
           <a:xfrm>
-            <a:off x="8788400" y="4831559"/>
+            <a:off x="8788399" y="4831559"/>
             <a:ext cx="127001" cy="127001"/>
           </a:xfrm>
           <a:prstGeom prst="rect">
@@ -12785,7 +12784,7 @@
         </p:nvSpPr>
         <p:spPr>
           <a:xfrm>
-            <a:off x="8788400" y="4831559"/>
+            <a:off x="8788399" y="4831559"/>
             <a:ext cx="127001" cy="127001"/>
           </a:xfrm>
           <a:prstGeom prst="rect">
@@ -12951,7 +12950,7 @@
         </p:nvSpPr>
         <p:spPr>
           <a:xfrm>
-            <a:off x="8788400" y="4831559"/>
+            <a:off x="8788399" y="4831559"/>
             <a:ext cx="127001" cy="127001"/>
           </a:xfrm>
           <a:prstGeom prst="rect">
@@ -13160,7 +13159,7 @@
         </p:nvSpPr>
         <p:spPr>
           <a:xfrm>
-            <a:off x="8788400" y="4831559"/>
+            <a:off x="8788399" y="4831559"/>
             <a:ext cx="127001" cy="127001"/>
           </a:xfrm>
           <a:prstGeom prst="rect">
@@ -13351,7 +13350,7 @@
         </p:nvSpPr>
         <p:spPr>
           <a:xfrm>
-            <a:off x="8788400" y="4831559"/>
+            <a:off x="8788399" y="4831559"/>
             <a:ext cx="127001" cy="127001"/>
           </a:xfrm>
           <a:prstGeom prst="rect">
@@ -13535,7 +13534,7 @@
         </p:nvSpPr>
         <p:spPr>
           <a:xfrm>
-            <a:off x="8788400" y="4831559"/>
+            <a:off x="8788399" y="4831559"/>
             <a:ext cx="127001" cy="127001"/>
           </a:xfrm>
           <a:prstGeom prst="rect">
@@ -13751,7 +13750,7 @@
         </p:nvSpPr>
         <p:spPr>
           <a:xfrm>
-            <a:off x="8788400" y="4831559"/>
+            <a:off x="8788399" y="4831559"/>
             <a:ext cx="127001" cy="127001"/>
           </a:xfrm>
           <a:prstGeom prst="rect">
@@ -13842,7 +13841,7 @@
         </p:nvSpPr>
         <p:spPr>
           <a:xfrm>
-            <a:off x="8788400" y="4831559"/>
+            <a:off x="8788399" y="4831559"/>
             <a:ext cx="127001" cy="127001"/>
           </a:xfrm>
           <a:prstGeom prst="rect">
@@ -13931,7 +13930,7 @@
         </p:nvSpPr>
         <p:spPr>
           <a:xfrm>
-            <a:off x="8788400" y="4831559"/>
+            <a:off x="8788399" y="4831559"/>
             <a:ext cx="127001" cy="127001"/>
           </a:xfrm>
           <a:prstGeom prst="rect">
@@ -14099,7 +14098,7 @@
         </p:nvSpPr>
         <p:spPr>
           <a:xfrm>
-            <a:off x="8788400" y="4831559"/>
+            <a:off x="8788399" y="4831559"/>
             <a:ext cx="127001" cy="127001"/>
           </a:xfrm>
           <a:prstGeom prst="rect">
@@ -14266,8 +14265,8 @@
         </p:nvSpPr>
         <p:spPr>
           <a:xfrm>
-            <a:off x="4800600" y="1124710"/>
-            <a:ext cx="4114800" cy="3585849"/>
+            <a:off x="4800600" y="1124711"/>
+            <a:ext cx="4114800" cy="3585848"/>
           </a:xfrm>
           <a:prstGeom prst="rect">
             <a:avLst/>
@@ -14293,7 +14292,7 @@
         </p:nvSpPr>
         <p:spPr>
           <a:xfrm>
-            <a:off x="8788400" y="4831559"/>
+            <a:off x="8788399" y="4831559"/>
             <a:ext cx="127001" cy="127001"/>
           </a:xfrm>
           <a:prstGeom prst="rect">
@@ -14477,8 +14476,8 @@
         </p:nvSpPr>
         <p:spPr>
           <a:xfrm>
-            <a:off x="228600" y="1093468"/>
-            <a:ext cx="4114800" cy="3589658"/>
+            <a:off x="228600" y="1093469"/>
+            <a:ext cx="4114800" cy="3589657"/>
           </a:xfrm>
           <a:prstGeom prst="rect">
             <a:avLst/>
@@ -14504,7 +14503,7 @@
         </p:nvSpPr>
         <p:spPr>
           <a:xfrm>
-            <a:off x="8788400" y="4831559"/>
+            <a:off x="8788399" y="4831559"/>
             <a:ext cx="127001" cy="127001"/>
           </a:xfrm>
           <a:prstGeom prst="rect">
@@ -14661,7 +14660,7 @@
         </p:nvSpPr>
         <p:spPr>
           <a:xfrm>
-            <a:off x="8788400" y="4831559"/>
+            <a:off x="8788399" y="4831559"/>
             <a:ext cx="127001" cy="127001"/>
           </a:xfrm>
           <a:prstGeom prst="rect">
@@ -14928,7 +14927,7 @@
         </p:nvSpPr>
         <p:spPr>
           <a:xfrm>
-            <a:off x="8788400" y="4831559"/>
+            <a:off x="8788399" y="4831559"/>
             <a:ext cx="127001" cy="127001"/>
           </a:xfrm>
           <a:prstGeom prst="rect">
@@ -15110,8 +15109,8 @@
         </p:nvSpPr>
         <p:spPr>
           <a:xfrm>
-            <a:off x="228600" y="1097279"/>
-            <a:ext cx="4114800" cy="3585847"/>
+            <a:off x="228600" y="1097280"/>
+            <a:ext cx="4114800" cy="3585846"/>
           </a:xfrm>
           <a:prstGeom prst="rect">
             <a:avLst/>
@@ -15137,7 +15136,7 @@
         </p:nvSpPr>
         <p:spPr>
           <a:xfrm>
-            <a:off x="8788400" y="4831559"/>
+            <a:off x="8788399" y="4831559"/>
             <a:ext cx="127001" cy="127001"/>
           </a:xfrm>
           <a:prstGeom prst="rect">
@@ -15348,7 +15347,7 @@
         </p:nvSpPr>
         <p:spPr>
           <a:xfrm>
-            <a:off x="8788400" y="4831559"/>
+            <a:off x="8788399" y="4831559"/>
             <a:ext cx="127001" cy="127001"/>
           </a:xfrm>
           <a:prstGeom prst="rect">
@@ -15557,7 +15556,7 @@
         </p:nvSpPr>
         <p:spPr>
           <a:xfrm>
-            <a:off x="8788400" y="4831559"/>
+            <a:off x="8788399" y="4831559"/>
             <a:ext cx="127001" cy="127001"/>
           </a:xfrm>
           <a:prstGeom prst="rect">
@@ -15770,7 +15769,7 @@
         </p:nvSpPr>
         <p:spPr>
           <a:xfrm>
-            <a:off x="8788400" y="4831559"/>
+            <a:off x="8788399" y="4831559"/>
             <a:ext cx="127001" cy="127001"/>
           </a:xfrm>
           <a:prstGeom prst="rect">
@@ -15985,7 +15984,7 @@
         </p:nvSpPr>
         <p:spPr>
           <a:xfrm>
-            <a:off x="8788400" y="4831559"/>
+            <a:off x="8788399" y="4831559"/>
             <a:ext cx="127001" cy="127001"/>
           </a:xfrm>
           <a:prstGeom prst="rect">
@@ -16097,7 +16096,7 @@
         </p:nvSpPr>
         <p:spPr>
           <a:xfrm>
-            <a:off x="8788400" y="4831559"/>
+            <a:off x="8788399" y="4831559"/>
             <a:ext cx="127001" cy="127001"/>
           </a:xfrm>
           <a:prstGeom prst="rect">
@@ -16184,7 +16183,7 @@
         </p:nvSpPr>
         <p:spPr>
           <a:xfrm>
-            <a:off x="8788400" y="4831559"/>
+            <a:off x="8788399" y="4831559"/>
             <a:ext cx="127001" cy="127001"/>
           </a:xfrm>
           <a:prstGeom prst="rect">
@@ -16271,7 +16270,7 @@
         </p:nvSpPr>
         <p:spPr>
           <a:xfrm>
-            <a:off x="8788400" y="4831559"/>
+            <a:off x="8788399" y="4831559"/>
             <a:ext cx="127001" cy="127001"/>
           </a:xfrm>
           <a:prstGeom prst="rect">
@@ -16387,8 +16386,8 @@
         </p:nvSpPr>
         <p:spPr>
           <a:xfrm>
-            <a:off x="228600" y="182878"/>
-            <a:ext cx="4114800" cy="300040"/>
+            <a:off x="228600" y="182879"/>
+            <a:ext cx="4114800" cy="300039"/>
           </a:xfrm>
           <a:prstGeom prst="rect">
             <a:avLst/>
@@ -16414,8 +16413,8 @@
         </p:nvSpPr>
         <p:spPr>
           <a:xfrm>
-            <a:off x="228600" y="1097279"/>
-            <a:ext cx="4114800" cy="3488732"/>
+            <a:off x="228600" y="1097280"/>
+            <a:ext cx="4114800" cy="3488731"/>
           </a:xfrm>
           <a:prstGeom prst="rect">
             <a:avLst/>
@@ -16441,7 +16440,7 @@
         </p:nvSpPr>
         <p:spPr>
           <a:xfrm>
-            <a:off x="8788400" y="4831559"/>
+            <a:off x="8788399" y="4831559"/>
             <a:ext cx="127001" cy="127001"/>
           </a:xfrm>
           <a:prstGeom prst="rect">
@@ -16588,7 +16587,7 @@
         </p:nvSpPr>
         <p:spPr>
           <a:xfrm>
-            <a:off x="8788400" y="4831559"/>
+            <a:off x="8788399" y="4831559"/>
             <a:ext cx="127001" cy="127001"/>
           </a:xfrm>
           <a:prstGeom prst="rect">
@@ -16739,7 +16738,7 @@
         </p:nvSpPr>
         <p:spPr>
           <a:xfrm>
-            <a:off x="8788400" y="4831559"/>
+            <a:off x="8788399" y="4831559"/>
             <a:ext cx="127001" cy="127001"/>
           </a:xfrm>
           <a:prstGeom prst="rect">
@@ -16829,7 +16828,7 @@
         </p:nvSpPr>
         <p:spPr>
           <a:xfrm>
-            <a:off x="8788400" y="4831559"/>
+            <a:off x="8788399" y="4831559"/>
             <a:ext cx="127001" cy="127001"/>
           </a:xfrm>
           <a:prstGeom prst="rect">
@@ -16950,7 +16949,7 @@
         </p:nvSpPr>
         <p:spPr>
           <a:xfrm>
-            <a:off x="8788400" y="4831559"/>
+            <a:off x="8788399" y="4831559"/>
             <a:ext cx="127001" cy="127001"/>
           </a:xfrm>
           <a:prstGeom prst="rect">
@@ -17034,7 +17033,7 @@
         </p:nvSpPr>
         <p:spPr>
           <a:xfrm>
-            <a:off x="8788400" y="4831559"/>
+            <a:off x="8788399" y="4831559"/>
             <a:ext cx="127001" cy="127001"/>
           </a:xfrm>
           <a:prstGeom prst="rect">
@@ -17166,7 +17165,7 @@
         </p:nvSpPr>
         <p:spPr>
           <a:xfrm>
-            <a:off x="8788400" y="4831559"/>
+            <a:off x="8788399" y="4831559"/>
             <a:ext cx="127001" cy="127001"/>
           </a:xfrm>
           <a:prstGeom prst="rect">
@@ -17325,7 +17324,7 @@
         </p:nvSpPr>
         <p:spPr>
           <a:xfrm>
-            <a:off x="8788400" y="4831559"/>
+            <a:off x="8788399" y="4831559"/>
             <a:ext cx="127001" cy="127001"/>
           </a:xfrm>
           <a:prstGeom prst="rect">
@@ -17471,7 +17470,7 @@
         </p:nvSpPr>
         <p:spPr>
           <a:xfrm>
-            <a:off x="8788400" y="4831559"/>
+            <a:off x="8788399" y="4831559"/>
             <a:ext cx="127001" cy="127001"/>
           </a:xfrm>
           <a:prstGeom prst="rect">
@@ -17617,7 +17616,7 @@
         </p:nvSpPr>
         <p:spPr>
           <a:xfrm>
-            <a:off x="8788400" y="4831559"/>
+            <a:off x="8788399" y="4831559"/>
             <a:ext cx="127001" cy="127001"/>
           </a:xfrm>
           <a:prstGeom prst="rect">
@@ -17826,7 +17825,7 @@
         </p:nvSpPr>
         <p:spPr>
           <a:xfrm>
-            <a:off x="8788400" y="4831559"/>
+            <a:off x="8788399" y="4831559"/>
             <a:ext cx="127001" cy="127001"/>
           </a:xfrm>
           <a:prstGeom prst="rect">
@@ -18011,7 +18010,7 @@
         <p:spPr>
           <a:xfrm>
             <a:off x="4700392" y="1090961"/>
-            <a:ext cx="4215009" cy="3456433"/>
+            <a:ext cx="4215008" cy="3456433"/>
           </a:xfrm>
           <a:prstGeom prst="rect">
             <a:avLst/>
@@ -18037,7 +18036,7 @@
         </p:nvSpPr>
         <p:spPr>
           <a:xfrm>
-            <a:off x="8788400" y="4831559"/>
+            <a:off x="8788399" y="4831559"/>
             <a:ext cx="127001" cy="127001"/>
           </a:xfrm>
           <a:prstGeom prst="rect">
@@ -18168,7 +18167,7 @@
         </p:nvSpPr>
         <p:spPr>
           <a:xfrm>
-            <a:off x="8788400" y="4831559"/>
+            <a:off x="8788399" y="4831559"/>
             <a:ext cx="127001" cy="127001"/>
           </a:xfrm>
           <a:prstGeom prst="rect">
@@ -18227,7 +18226,7 @@
         </p:nvSpPr>
         <p:spPr>
           <a:xfrm>
-            <a:off x="8788400" y="4831559"/>
+            <a:off x="8788399" y="4831559"/>
             <a:ext cx="127001" cy="127001"/>
           </a:xfrm>
           <a:prstGeom prst="rect">
@@ -18469,7 +18468,7 @@
         </p:nvSpPr>
         <p:spPr>
           <a:xfrm>
-            <a:off x="8788400" y="4831559"/>
+            <a:off x="8788399" y="4831559"/>
             <a:ext cx="127001" cy="127001"/>
           </a:xfrm>
           <a:prstGeom prst="rect">
@@ -18551,7 +18550,7 @@
         </p:nvSpPr>
         <p:spPr>
           <a:xfrm>
-            <a:off x="8788400" y="4831559"/>
+            <a:off x="8788399" y="4831559"/>
             <a:ext cx="127001" cy="127001"/>
           </a:xfrm>
           <a:prstGeom prst="rect">
@@ -18639,7 +18638,7 @@
         </p:nvSpPr>
         <p:spPr>
           <a:xfrm>
-            <a:off x="8788400" y="4831559"/>
+            <a:off x="8788399" y="4831559"/>
             <a:ext cx="127001" cy="127001"/>
           </a:xfrm>
           <a:prstGeom prst="rect">
@@ -18908,7 +18907,7 @@
         </p:nvSpPr>
         <p:spPr>
           <a:xfrm>
-            <a:off x="8788400" y="4831559"/>
+            <a:off x="8788399" y="4831559"/>
             <a:ext cx="127001" cy="127001"/>
           </a:xfrm>
           <a:prstGeom prst="rect">
@@ -19158,7 +19157,7 @@
         </p:nvSpPr>
         <p:spPr>
           <a:xfrm>
-            <a:off x="8788400" y="4831559"/>
+            <a:off x="8788399" y="4831559"/>
             <a:ext cx="127001" cy="127001"/>
           </a:xfrm>
           <a:prstGeom prst="rect">
@@ -19381,7 +19380,7 @@
         </p:nvSpPr>
         <p:spPr>
           <a:xfrm>
-            <a:off x="8788400" y="4831559"/>
+            <a:off x="8788399" y="4831559"/>
             <a:ext cx="127001" cy="127001"/>
           </a:xfrm>
           <a:prstGeom prst="rect">
@@ -19629,7 +19628,7 @@
         </p:nvSpPr>
         <p:spPr>
           <a:xfrm>
-            <a:off x="8788400" y="4831559"/>
+            <a:off x="8788399" y="4831559"/>
             <a:ext cx="127001" cy="127001"/>
           </a:xfrm>
           <a:prstGeom prst="rect">
@@ -19732,7 +19731,7 @@
         </p:nvSpPr>
         <p:spPr>
           <a:xfrm>
-            <a:off x="8788400" y="4831559"/>
+            <a:off x="8788399" y="4831559"/>
             <a:ext cx="127001" cy="127001"/>
           </a:xfrm>
           <a:prstGeom prst="rect">
@@ -19835,7 +19834,7 @@
         </p:nvSpPr>
         <p:spPr>
           <a:xfrm>
-            <a:off x="8788400" y="4831559"/>
+            <a:off x="8788399" y="4831559"/>
             <a:ext cx="127001" cy="127001"/>
           </a:xfrm>
           <a:prstGeom prst="rect">
@@ -20055,7 +20054,7 @@
         </p:nvSpPr>
         <p:spPr>
           <a:xfrm>
-            <a:off x="8788400" y="4831559"/>
+            <a:off x="8788399" y="4831559"/>
             <a:ext cx="127001" cy="127001"/>
           </a:xfrm>
           <a:prstGeom prst="rect">
@@ -20263,8 +20262,8 @@
         </p:nvSpPr>
         <p:spPr>
           <a:xfrm>
-            <a:off x="4800600" y="1124710"/>
-            <a:ext cx="4114800" cy="3585849"/>
+            <a:off x="4800600" y="1124711"/>
+            <a:ext cx="4114800" cy="3585848"/>
           </a:xfrm>
           <a:prstGeom prst="rect">
             <a:avLst/>
@@ -20290,7 +20289,7 @@
         </p:nvSpPr>
         <p:spPr>
           <a:xfrm>
-            <a:off x="8788400" y="4831559"/>
+            <a:off x="8788399" y="4831559"/>
             <a:ext cx="127001" cy="127001"/>
           </a:xfrm>
           <a:prstGeom prst="rect">
@@ -20459,7 +20458,7 @@
         </p:nvSpPr>
         <p:spPr>
           <a:xfrm>
-            <a:off x="8788400" y="4831559"/>
+            <a:off x="8788399" y="4831559"/>
             <a:ext cx="127001" cy="127001"/>
           </a:xfrm>
           <a:prstGeom prst="rect">
@@ -20671,8 +20670,8 @@
         </p:nvSpPr>
         <p:spPr>
           <a:xfrm>
-            <a:off x="228600" y="1093468"/>
-            <a:ext cx="4114800" cy="3589658"/>
+            <a:off x="228600" y="1093469"/>
+            <a:ext cx="4114800" cy="3589657"/>
           </a:xfrm>
           <a:prstGeom prst="rect">
             <a:avLst/>
@@ -20698,7 +20697,7 @@
         </p:nvSpPr>
         <p:spPr>
           <a:xfrm>
-            <a:off x="8788400" y="4831559"/>
+            <a:off x="8788399" y="4831559"/>
             <a:ext cx="127001" cy="127001"/>
           </a:xfrm>
           <a:prstGeom prst="rect">
@@ -20891,7 +20890,7 @@
         </p:nvSpPr>
         <p:spPr>
           <a:xfrm>
-            <a:off x="8788400" y="4831559"/>
+            <a:off x="8788399" y="4831559"/>
             <a:ext cx="127001" cy="127001"/>
           </a:xfrm>
           <a:prstGeom prst="rect">
@@ -21194,7 +21193,7 @@
         </p:nvSpPr>
         <p:spPr>
           <a:xfrm>
-            <a:off x="8788400" y="4831559"/>
+            <a:off x="8788399" y="4831559"/>
             <a:ext cx="127001" cy="127001"/>
           </a:xfrm>
           <a:prstGeom prst="rect">
@@ -21412,8 +21411,8 @@
         </p:nvSpPr>
         <p:spPr>
           <a:xfrm>
-            <a:off x="228600" y="1097279"/>
-            <a:ext cx="4114800" cy="3585847"/>
+            <a:off x="228600" y="1097280"/>
+            <a:ext cx="4114800" cy="3585846"/>
           </a:xfrm>
           <a:prstGeom prst="rect">
             <a:avLst/>
@@ -21439,7 +21438,7 @@
         </p:nvSpPr>
         <p:spPr>
           <a:xfrm>
-            <a:off x="8788400" y="4831559"/>
+            <a:off x="8788399" y="4831559"/>
             <a:ext cx="127001" cy="127001"/>
           </a:xfrm>
           <a:prstGeom prst="rect">
@@ -21686,7 +21685,7 @@
         </p:nvSpPr>
         <p:spPr>
           <a:xfrm>
-            <a:off x="8788400" y="4831559"/>
+            <a:off x="8788399" y="4831559"/>
             <a:ext cx="127001" cy="127001"/>
           </a:xfrm>
           <a:prstGeom prst="rect">
@@ -21935,7 +21934,7 @@
         </p:nvSpPr>
         <p:spPr>
           <a:xfrm>
-            <a:off x="8788400" y="4831559"/>
+            <a:off x="8788399" y="4831559"/>
             <a:ext cx="127001" cy="127001"/>
           </a:xfrm>
           <a:prstGeom prst="rect">
@@ -22166,7 +22165,7 @@
         </p:nvSpPr>
         <p:spPr>
           <a:xfrm>
-            <a:off x="8788400" y="4831559"/>
+            <a:off x="8788399" y="4831559"/>
             <a:ext cx="127001" cy="127001"/>
           </a:xfrm>
           <a:prstGeom prst="rect">
@@ -22286,7 +22285,7 @@
         </p:nvSpPr>
         <p:spPr>
           <a:xfrm>
-            <a:off x="8788400" y="4831559"/>
+            <a:off x="8788399" y="4831559"/>
             <a:ext cx="127001" cy="127001"/>
           </a:xfrm>
           <a:prstGeom prst="rect">
@@ -22389,7 +22388,7 @@
         </p:nvSpPr>
         <p:spPr>
           <a:xfrm>
-            <a:off x="8788400" y="4831559"/>
+            <a:off x="8788399" y="4831559"/>
             <a:ext cx="127001" cy="127001"/>
           </a:xfrm>
           <a:prstGeom prst="rect">
@@ -22492,7 +22491,7 @@
         </p:nvSpPr>
         <p:spPr>
           <a:xfrm>
-            <a:off x="8788400" y="4831559"/>
+            <a:off x="8788399" y="4831559"/>
             <a:ext cx="127001" cy="127001"/>
           </a:xfrm>
           <a:prstGeom prst="rect">
@@ -22660,8 +22659,8 @@
         </p:nvSpPr>
         <p:spPr>
           <a:xfrm>
-            <a:off x="4800600" y="1124710"/>
-            <a:ext cx="4114800" cy="3585849"/>
+            <a:off x="4800600" y="1124711"/>
+            <a:ext cx="4114800" cy="3585848"/>
           </a:xfrm>
           <a:prstGeom prst="rect">
             <a:avLst/>
@@ -22687,7 +22686,7 @@
         </p:nvSpPr>
         <p:spPr>
           <a:xfrm>
-            <a:off x="8788400" y="4831559"/>
+            <a:off x="8788399" y="4831559"/>
             <a:ext cx="127001" cy="127001"/>
           </a:xfrm>
           <a:prstGeom prst="rect">
@@ -22803,8 +22802,8 @@
         </p:nvSpPr>
         <p:spPr>
           <a:xfrm>
-            <a:off x="228600" y="182878"/>
-            <a:ext cx="4114800" cy="300040"/>
+            <a:off x="228600" y="182879"/>
+            <a:ext cx="4114800" cy="300039"/>
           </a:xfrm>
           <a:prstGeom prst="rect">
             <a:avLst/>
@@ -22830,8 +22829,8 @@
         </p:nvSpPr>
         <p:spPr>
           <a:xfrm>
-            <a:off x="228600" y="1097279"/>
-            <a:ext cx="4114800" cy="3488732"/>
+            <a:off x="228600" y="1097280"/>
+            <a:ext cx="4114800" cy="3488731"/>
           </a:xfrm>
           <a:prstGeom prst="rect">
             <a:avLst/>
@@ -22857,7 +22856,7 @@
         </p:nvSpPr>
         <p:spPr>
           <a:xfrm>
-            <a:off x="8788400" y="4837497"/>
+            <a:off x="8788399" y="4837497"/>
             <a:ext cx="127001" cy="127001"/>
           </a:xfrm>
           <a:prstGeom prst="rect">
@@ -23004,7 +23003,7 @@
         </p:nvSpPr>
         <p:spPr>
           <a:xfrm>
-            <a:off x="8788400" y="4831559"/>
+            <a:off x="8788399" y="4831559"/>
             <a:ext cx="127001" cy="127001"/>
           </a:xfrm>
           <a:prstGeom prst="rect">
@@ -23155,7 +23154,7 @@
         </p:nvSpPr>
         <p:spPr>
           <a:xfrm>
-            <a:off x="8788400" y="4831559"/>
+            <a:off x="8788399" y="4831559"/>
             <a:ext cx="127001" cy="127001"/>
           </a:xfrm>
           <a:prstGeom prst="rect">
@@ -23245,7 +23244,7 @@
         </p:nvSpPr>
         <p:spPr>
           <a:xfrm>
-            <a:off x="8788400" y="4831559"/>
+            <a:off x="8788399" y="4831559"/>
             <a:ext cx="127001" cy="127001"/>
           </a:xfrm>
           <a:prstGeom prst="rect">
@@ -23374,7 +23373,7 @@
         </p:nvSpPr>
         <p:spPr>
           <a:xfrm>
-            <a:off x="8788400" y="4831559"/>
+            <a:off x="8788399" y="4831559"/>
             <a:ext cx="127001" cy="127001"/>
           </a:xfrm>
           <a:prstGeom prst="rect">
@@ -23514,7 +23513,7 @@
         </p:nvSpPr>
         <p:spPr>
           <a:xfrm>
-            <a:off x="8788400" y="4831559"/>
+            <a:off x="8788399" y="4831559"/>
             <a:ext cx="127001" cy="127001"/>
           </a:xfrm>
           <a:prstGeom prst="rect">
@@ -23701,7 +23700,7 @@
         </p:nvSpPr>
         <p:spPr>
           <a:xfrm>
-            <a:off x="8788400" y="4831559"/>
+            <a:off x="8788399" y="4831559"/>
             <a:ext cx="127001" cy="127001"/>
           </a:xfrm>
           <a:prstGeom prst="rect">
@@ -23894,7 +23893,7 @@
         </p:nvSpPr>
         <p:spPr>
           <a:xfrm>
-            <a:off x="8788400" y="4831559"/>
+            <a:off x="8788399" y="4831559"/>
             <a:ext cx="127001" cy="127001"/>
           </a:xfrm>
           <a:prstGeom prst="rect">
@@ -24087,7 +24086,7 @@
         </p:nvSpPr>
         <p:spPr>
           <a:xfrm>
-            <a:off x="8788400" y="4831559"/>
+            <a:off x="8788399" y="4831559"/>
             <a:ext cx="127001" cy="127001"/>
           </a:xfrm>
           <a:prstGeom prst="rect">
@@ -24332,7 +24331,7 @@
         </p:nvSpPr>
         <p:spPr>
           <a:xfrm>
-            <a:off x="8788400" y="4831559"/>
+            <a:off x="8788399" y="4831559"/>
             <a:ext cx="127001" cy="127001"/>
           </a:xfrm>
           <a:prstGeom prst="rect">
@@ -26330,7 +26329,7 @@
         <p:spPr>
           <a:xfrm>
             <a:off x="2411140" y="2298873"/>
-            <a:ext cx="2127970" cy="586737"/>
+            <a:ext cx="2127969" cy="586737"/>
           </a:xfrm>
           <a:prstGeom prst="rect">
             <a:avLst/>
@@ -26607,8 +26606,8 @@
         </p:nvSpPr>
         <p:spPr>
           <a:xfrm>
-            <a:off x="2267361" y="1038506"/>
-            <a:ext cx="13989" cy="4104997"/>
+            <a:off x="2267360" y="1038505"/>
+            <a:ext cx="13990" cy="4104998"/>
           </a:xfrm>
           <a:prstGeom prst="line">
             <a:avLst/>
@@ -26635,8 +26634,8 @@
         </p:nvSpPr>
         <p:spPr>
           <a:xfrm flipH="1">
-            <a:off x="6991632" y="1046140"/>
-            <a:ext cx="2" cy="4104996"/>
+            <a:off x="6991633" y="1046140"/>
+            <a:ext cx="1" cy="4104996"/>
           </a:xfrm>
           <a:prstGeom prst="line">
             <a:avLst/>
@@ -26663,8 +26662,8 @@
         </p:nvSpPr>
         <p:spPr>
           <a:xfrm>
-            <a:off x="4635587" y="1038506"/>
-            <a:ext cx="13989" cy="4104997"/>
+            <a:off x="4635587" y="1038505"/>
+            <a:ext cx="13990" cy="4104998"/>
           </a:xfrm>
           <a:prstGeom prst="line">
             <a:avLst/>
@@ -27152,7 +27151,7 @@
         </p:nvSpPr>
         <p:spPr>
           <a:xfrm>
-            <a:off x="7205271" y="1881489"/>
+            <a:off x="7205271" y="1881490"/>
             <a:ext cx="1659361" cy="368301"/>
           </a:xfrm>
           <a:prstGeom prst="rect">
@@ -27887,8 +27886,8 @@
           </p:nvGrpSpPr>
           <p:grpSpPr>
             <a:xfrm>
-              <a:off x="1376628" y="-1"/>
-              <a:ext cx="1594004" cy="1000092"/>
+              <a:off x="1376629" y="-1"/>
+              <a:ext cx="1594003" cy="1000092"/>
               <a:chOff x="0" y="0"/>
               <a:chExt cx="1594002" cy="1000090"/>
             </a:xfrm>
@@ -28005,7 +28004,7 @@
           <p:grpSpPr>
             <a:xfrm>
               <a:off x="-2" y="-2"/>
-              <a:ext cx="1583519" cy="999657"/>
+              <a:ext cx="1583520" cy="999657"/>
               <a:chOff x="0" y="-1"/>
               <a:chExt cx="1583518" cy="999655"/>
             </a:xfrm>
@@ -28783,7 +28782,7 @@
         <p:spPr>
           <a:xfrm>
             <a:off x="3890386" y="1223491"/>
-            <a:ext cx="5061206" cy="3819380"/>
+            <a:ext cx="5061206" cy="3819379"/>
           </a:xfrm>
           <a:prstGeom prst="rect">
             <a:avLst/>
@@ -29183,7 +29182,7 @@
         <p:spPr>
           <a:xfrm>
             <a:off x="4218887" y="2369542"/>
-            <a:ext cx="2088891" cy="269239"/>
+            <a:ext cx="2088890" cy="269239"/>
           </a:xfrm>
           <a:prstGeom prst="rect">
             <a:avLst/>
@@ -29343,10 +29342,10 @@
         </p:nvGrpSpPr>
         <p:grpSpPr>
           <a:xfrm>
-            <a:off x="6387743" y="2369540"/>
-            <a:ext cx="2088892" cy="827322"/>
+            <a:off x="6387743" y="2369541"/>
+            <a:ext cx="2088892" cy="827321"/>
             <a:chOff x="0" y="0"/>
-            <a:chExt cx="2088891" cy="827321"/>
+            <a:chExt cx="2088891" cy="827320"/>
           </a:xfrm>
         </p:grpSpPr>
         <p:sp>
@@ -29406,7 +29405,7 @@
           <p:grpSpPr>
             <a:xfrm>
               <a:off x="239579" y="540771"/>
-              <a:ext cx="351651" cy="286550"/>
+              <a:ext cx="351651" cy="286549"/>
               <a:chOff x="0" y="0"/>
               <a:chExt cx="351650" cy="286548"/>
             </a:xfrm>
@@ -30016,7 +30015,7 @@
         <p:spPr>
           <a:xfrm>
             <a:off x="4229122" y="3318524"/>
-            <a:ext cx="4221439" cy="2"/>
+            <a:ext cx="4221439" cy="1"/>
           </a:xfrm>
           <a:prstGeom prst="line">
             <a:avLst/>
@@ -30051,7 +30050,7 @@
         <p:spPr>
           <a:xfrm>
             <a:off x="6524181" y="2630438"/>
-            <a:ext cx="1879095" cy="5274"/>
+            <a:ext cx="1879095" cy="5273"/>
           </a:xfrm>
           <a:prstGeom prst="line">
             <a:avLst/>
@@ -30080,7 +30079,7 @@
         <p:spPr>
           <a:xfrm>
             <a:off x="4229122" y="2313296"/>
-            <a:ext cx="4221439" cy="2"/>
+            <a:ext cx="4221439" cy="1"/>
           </a:xfrm>
           <a:prstGeom prst="line">
             <a:avLst/>
@@ -30188,7 +30187,7 @@
         </p:nvSpPr>
         <p:spPr>
           <a:xfrm>
-            <a:off x="155380" y="2675320"/>
+            <a:off x="155380" y="2675321"/>
             <a:ext cx="3822231" cy="472439"/>
           </a:xfrm>
           <a:prstGeom prst="rect">
@@ -30598,7 +30597,7 @@
           <a:blip r:embed="rId2">
             <a:extLst/>
           </a:blip>
-          <a:srcRect l="1244" t="1716" r="5181" b="6443"/>
+          <a:srcRect l="1244" t="1716" r="5181" b="6442"/>
           <a:stretch>
             <a:fillRect/>
           </a:stretch>
@@ -30692,169 +30691,7 @@
       </p:grpSpPr>
       <p:sp>
         <p:nvSpPr>
-          <p:cNvPr id="1529" name="A large retail bank…"/>
-          <p:cNvSpPr txBox="1"/>
-          <p:nvPr/>
-        </p:nvSpPr>
-        <p:spPr>
-          <a:xfrm>
-            <a:off x="228599" y="332676"/>
-            <a:ext cx="8364788" cy="4478148"/>
-          </a:xfrm>
-          <a:prstGeom prst="rect">
-            <a:avLst/>
-          </a:prstGeom>
-          <a:ln w="12700">
-            <a:miter lim="400000"/>
-          </a:ln>
-          <a:extLst>
-            <a:ext uri="{C572A759-6A51-4108-AA02-DFA0A04FC94B}">
-              <ma14:wrappingTextBoxFlag xmlns:ma14="http://schemas.microsoft.com/office/mac/drawingml/2011/main" val="1"/>
-            </a:ext>
-          </a:extLst>
-        </p:spPr>
-        <p:txBody>
-          <a:bodyPr lIns="0" tIns="0" rIns="0" bIns="0">
-            <a:normAutofit fontScale="100000" lnSpcReduction="0"/>
-          </a:bodyPr>
-          <a:lstStyle/>
-          <a:p>
-            <a:pPr defTabSz="361188">
-              <a:lnSpc>
-                <a:spcPct val="90000"/>
-              </a:lnSpc>
-              <a:defRPr b="1" sz="1800">
-                <a:latin typeface="IBM Plex Sans"/>
-                <a:ea typeface="IBM Plex Sans"/>
-                <a:cs typeface="IBM Plex Sans"/>
-                <a:sym typeface="IBM Plex Sans"/>
-              </a:defRPr>
-            </a:pPr>
-            <a:r>
-              <a:t>A large retail bank</a:t>
-            </a:r>
-          </a:p>
-          <a:p>
-            <a:pPr defTabSz="361188">
-              <a:lnSpc>
-                <a:spcPct val="90000"/>
-              </a:lnSpc>
-              <a:defRPr b="1" sz="1800">
-                <a:latin typeface="IBM Plex Sans"/>
-                <a:ea typeface="IBM Plex Sans"/>
-                <a:cs typeface="IBM Plex Sans"/>
-                <a:sym typeface="IBM Plex Sans"/>
-              </a:defRPr>
-            </a:pPr>
-          </a:p>
-          <a:p>
-            <a:pPr defTabSz="361188">
-              <a:lnSpc>
-                <a:spcPct val="90000"/>
-              </a:lnSpc>
-              <a:defRPr sz="1800">
-                <a:latin typeface="IBM Plex Sans"/>
-                <a:ea typeface="IBM Plex Sans"/>
-                <a:cs typeface="IBM Plex Sans"/>
-                <a:sym typeface="IBM Plex Sans"/>
-              </a:defRPr>
-            </a:pPr>
-            <a:r>
-              <a:t>Several institutional clients at the bank have raised the same issue: they are not being billed properly for banking services.</a:t>
-            </a:r>
-          </a:p>
-          <a:p>
-            <a:pPr defTabSz="361188">
-              <a:lnSpc>
-                <a:spcPct val="90000"/>
-              </a:lnSpc>
-              <a:defRPr sz="1800">
-                <a:latin typeface="IBM Plex Sans"/>
-                <a:ea typeface="IBM Plex Sans"/>
-                <a:cs typeface="IBM Plex Sans"/>
-                <a:sym typeface="IBM Plex Sans"/>
-              </a:defRPr>
-            </a:pPr>
-          </a:p>
-          <a:p>
-            <a:pPr defTabSz="361188">
-              <a:lnSpc>
-                <a:spcPct val="90000"/>
-              </a:lnSpc>
-              <a:defRPr sz="1800">
-                <a:latin typeface="IBM Plex Sans"/>
-                <a:ea typeface="IBM Plex Sans"/>
-                <a:cs typeface="IBM Plex Sans"/>
-                <a:sym typeface="IBM Plex Sans"/>
-              </a:defRPr>
-            </a:pPr>
-            <a:r>
-              <a:t>That sounds like a simple question to resolve, but for the bank, it’s actually quite time-consuming to locate the right set of discrepancies among payment terms in a variety of committed contracts and then reconcile those against their clients’ internal billing systems.</a:t>
-            </a:r>
-          </a:p>
-          <a:p>
-            <a:pPr defTabSz="361188">
-              <a:lnSpc>
-                <a:spcPct val="90000"/>
-              </a:lnSpc>
-              <a:defRPr sz="1800">
-                <a:latin typeface="IBM Plex Sans"/>
-                <a:ea typeface="IBM Plex Sans"/>
-                <a:cs typeface="IBM Plex Sans"/>
-                <a:sym typeface="IBM Plex Sans"/>
-              </a:defRPr>
-            </a:pPr>
-          </a:p>
-          <a:p>
-            <a:pPr defTabSz="361188">
-              <a:lnSpc>
-                <a:spcPct val="90000"/>
-              </a:lnSpc>
-              <a:defRPr sz="1800">
-                <a:latin typeface="IBM Plex Sans"/>
-                <a:ea typeface="IBM Plex Sans"/>
-                <a:cs typeface="IBM Plex Sans"/>
-                <a:sym typeface="IBM Plex Sans"/>
-              </a:defRPr>
-            </a:pPr>
-            <a:r>
-              <a:t>The bank could hire outside counsel to perform thousands of contact reviews and then record their analysis into a normalized repository of the terms, and then update their billing systems.</a:t>
-            </a:r>
-          </a:p>
-          <a:p>
-            <a:pPr defTabSz="361188">
-              <a:lnSpc>
-                <a:spcPct val="90000"/>
-              </a:lnSpc>
-              <a:defRPr sz="1800">
-                <a:latin typeface="IBM Plex Sans"/>
-                <a:ea typeface="IBM Plex Sans"/>
-                <a:cs typeface="IBM Plex Sans"/>
-                <a:sym typeface="IBM Plex Sans"/>
-              </a:defRPr>
-            </a:pPr>
-          </a:p>
-          <a:p>
-            <a:pPr defTabSz="361188">
-              <a:lnSpc>
-                <a:spcPct val="90000"/>
-              </a:lnSpc>
-              <a:defRPr sz="1800">
-                <a:latin typeface="IBM Plex Sans"/>
-                <a:ea typeface="IBM Plex Sans"/>
-                <a:cs typeface="IBM Plex Sans"/>
-                <a:sym typeface="IBM Plex Sans"/>
-              </a:defRPr>
-            </a:pPr>
-            <a:r>
-              <a:t>Instead, they’re applying Watson’s semantic understanding to extract the payment terms in the contracts and proceed.</a:t>
-            </a:r>
-          </a:p>
-        </p:txBody>
-      </p:sp>
-      <p:sp>
-        <p:nvSpPr>
-          <p:cNvPr id="1530" name="Footer Placeholder 3"/>
+          <p:cNvPr id="1529" name="Footer Placeholder 6"/>
           <p:cNvSpPr txBox="1"/>
           <p:nvPr/>
         </p:nvSpPr>
@@ -30897,49 +30734,50 @@
           </a:p>
         </p:txBody>
       </p:sp>
-    </p:spTree>
-  </p:cSld>
-  <p:clrMapOvr>
-    <a:masterClrMapping/>
-  </p:clrMapOvr>
-  <p:transition xmlns:p14="http://schemas.microsoft.com/office/powerpoint/2010/main" spd="med" advClick="1"/>
-</p:sld>
-</file>
-
-<file path=ppt/slides/slide15.xml><?xml version="1.0" encoding="utf-8"?>
-<p:sld xmlns:a="http://schemas.openxmlformats.org/drawingml/2006/main" xmlns:r="http://schemas.openxmlformats.org/officeDocument/2006/relationships" xmlns:p="http://schemas.openxmlformats.org/presentationml/2006/main" showMasterSp="1" showMasterPhAnim="1">
-  <p:cSld>
-    <p:spTree>
-      <p:nvGrpSpPr>
-        <p:cNvPr id="1" name=""/>
-        <p:cNvGrpSpPr/>
-        <p:nvPr/>
-      </p:nvGrpSpPr>
-      <p:grpSpPr>
-        <a:xfrm>
-          <a:off x="0" y="0"/>
-          <a:ext cx="0" cy="0"/>
-          <a:chOff x="0" y="0"/>
-          <a:chExt cx="0" cy="0"/>
-        </a:xfrm>
-      </p:grpSpPr>
-      <p:sp>
-        <p:nvSpPr>
-          <p:cNvPr id="1532" name="Footer Placeholder 6"/>
-          <p:cNvSpPr txBox="1"/>
-          <p:nvPr/>
-        </p:nvSpPr>
-        <p:spPr>
-          <a:xfrm>
-            <a:off x="228600" y="4831558"/>
-            <a:ext cx="6400800" cy="127001"/>
-          </a:xfrm>
-          <a:prstGeom prst="rect">
-            <a:avLst/>
-          </a:prstGeom>
-          <a:ln w="12700">
-            <a:miter lim="400000"/>
-          </a:ln>
+      <p:sp>
+        <p:nvSpPr>
+          <p:cNvPr id="1530" name="Title 1"/>
+          <p:cNvSpPr txBox="1"/>
+          <p:nvPr>
+            <p:ph type="title"/>
+          </p:nvPr>
+        </p:nvSpPr>
+        <p:spPr>
+          <a:xfrm>
+            <a:off x="228600" y="201166"/>
+            <a:ext cx="4114800" cy="640084"/>
+          </a:xfrm>
+          <a:prstGeom prst="rect">
+            <a:avLst/>
+          </a:prstGeom>
+        </p:spPr>
+        <p:txBody>
+          <a:bodyPr/>
+          <a:lstStyle/>
+          <a:p>
+            <a:pPr/>
+            <a:r>
+              <a:t>Demo</a:t>
+            </a:r>
+          </a:p>
+        </p:txBody>
+      </p:sp>
+      <p:sp>
+        <p:nvSpPr>
+          <p:cNvPr id="1531" name="Slide Number Placeholder 2"/>
+          <p:cNvSpPr txBox="1"/>
+          <p:nvPr>
+            <p:ph type="sldNum" sz="quarter" idx="4294967295"/>
+          </p:nvPr>
+        </p:nvSpPr>
+        <p:spPr>
+          <a:xfrm>
+            <a:off x="8788398" y="4831558"/>
+            <a:ext cx="127001" cy="127001"/>
+          </a:xfrm>
+          <a:prstGeom prst="rect">
+            <a:avLst/>
+          </a:prstGeom>
           <a:extLst>
             <a:ext uri="{C572A759-6A51-4108-AA02-DFA0A04FC94B}">
               <ma14:wrappingTextBoxFlag xmlns:ma14="http://schemas.microsoft.com/office/mac/drawingml/2011/main" val="1"/>
@@ -30947,78 +30785,6 @@
           </a:extLst>
         </p:spPr>
         <p:txBody>
-          <a:bodyPr lIns="0" tIns="0" rIns="0" bIns="0" anchor="ctr">
-            <a:spAutoFit/>
-          </a:bodyPr>
-          <a:lstStyle>
-            <a:lvl1pPr>
-              <a:defRPr sz="600">
-                <a:latin typeface="IBM Plex Sans"/>
-                <a:ea typeface="IBM Plex Sans"/>
-                <a:cs typeface="IBM Plex Sans"/>
-                <a:sym typeface="IBM Plex Sans"/>
-              </a:defRPr>
-            </a:lvl1pPr>
-          </a:lstStyle>
-          <a:p>
-            <a:pPr/>
-            <a:r>
-              <a:t>IBM Cloud / Watson and Cloud Platform / © 2018 IBM Corporation</a:t>
-            </a:r>
-          </a:p>
-        </p:txBody>
-      </p:sp>
-      <p:sp>
-        <p:nvSpPr>
-          <p:cNvPr id="1533" name="Title 1"/>
-          <p:cNvSpPr txBox="1"/>
-          <p:nvPr>
-            <p:ph type="title"/>
-          </p:nvPr>
-        </p:nvSpPr>
-        <p:spPr>
-          <a:xfrm>
-            <a:off x="228600" y="201166"/>
-            <a:ext cx="4114800" cy="640083"/>
-          </a:xfrm>
-          <a:prstGeom prst="rect">
-            <a:avLst/>
-          </a:prstGeom>
-        </p:spPr>
-        <p:txBody>
-          <a:bodyPr/>
-          <a:lstStyle/>
-          <a:p>
-            <a:pPr/>
-            <a:r>
-              <a:t>Demo</a:t>
-            </a:r>
-          </a:p>
-        </p:txBody>
-      </p:sp>
-      <p:sp>
-        <p:nvSpPr>
-          <p:cNvPr id="1534" name="Slide Number Placeholder 2"/>
-          <p:cNvSpPr txBox="1"/>
-          <p:nvPr>
-            <p:ph type="sldNum" sz="quarter" idx="4294967295"/>
-          </p:nvPr>
-        </p:nvSpPr>
-        <p:spPr>
-          <a:xfrm>
-            <a:off x="8788399" y="4831558"/>
-            <a:ext cx="127001" cy="127001"/>
-          </a:xfrm>
-          <a:prstGeom prst="rect">
-            <a:avLst/>
-          </a:prstGeom>
-          <a:extLst>
-            <a:ext uri="{C572A759-6A51-4108-AA02-DFA0A04FC94B}">
-              <ma14:wrappingTextBoxFlag xmlns:ma14="http://schemas.microsoft.com/office/mac/drawingml/2011/main" val="1"/>
-            </a:ext>
-          </a:extLst>
-        </p:spPr>
-        <p:txBody>
           <a:bodyPr/>
           <a:lstStyle>
             <a:lvl1pPr>
@@ -31037,7 +30803,7 @@
       </p:sp>
       <p:grpSp>
         <p:nvGrpSpPr>
-          <p:cNvPr id="1537" name="Group 5"/>
+          <p:cNvPr id="1534" name="Group 5"/>
           <p:cNvGrpSpPr/>
           <p:nvPr/>
         </p:nvGrpSpPr>
@@ -31051,7 +30817,7 @@
         </p:grpSpPr>
         <p:pic>
           <p:nvPicPr>
-            <p:cNvPr id="1535" name="Picture 7" descr="Picture 7"/>
+            <p:cNvPr id="1532" name="Picture 7" descr="Picture 7"/>
             <p:cNvPicPr>
               <a:picLocks noChangeAspect="1"/>
             </p:cNvPicPr>
@@ -31082,7 +30848,7 @@
         </p:pic>
         <p:pic>
           <p:nvPicPr>
-            <p:cNvPr id="1536" name="Picture 8" descr="Picture 8"/>
+            <p:cNvPr id="1533" name="Picture 8" descr="Picture 8"/>
             <p:cNvPicPr>
               <a:picLocks noChangeAspect="1"/>
             </p:cNvPicPr>
@@ -31221,7 +30987,7 @@
         </p:nvSpPr>
         <p:spPr>
           <a:xfrm>
-            <a:off x="8788399" y="4831558"/>
+            <a:off x="8788398" y="4831558"/>
             <a:ext cx="127001" cy="127001"/>
           </a:xfrm>
           <a:prstGeom prst="rect">
@@ -31376,7 +31142,7 @@
         </p:nvSpPr>
         <p:spPr>
           <a:xfrm>
-            <a:off x="8788399" y="4831558"/>
+            <a:off x="8788398" y="4831558"/>
             <a:ext cx="127001" cy="127001"/>
           </a:xfrm>
           <a:prstGeom prst="rect">
@@ -32037,7 +31803,7 @@
         </p:nvSpPr>
         <p:spPr>
           <a:xfrm>
-            <a:off x="8788399" y="4831558"/>
+            <a:off x="8788398" y="4831558"/>
             <a:ext cx="127001" cy="127001"/>
           </a:xfrm>
           <a:prstGeom prst="rect">
@@ -32141,10 +31907,6 @@
           </p:nvPr>
         </p:nvSpPr>
         <p:spPr>
-          <a:xfrm>
-            <a:off x="228600" y="210311"/>
-            <a:ext cx="4114800" cy="1003809"/>
-          </a:xfrm>
           <a:prstGeom prst="rect">
             <a:avLst/>
           </a:prstGeom>
@@ -32170,7 +31932,7 @@
         </p:nvSpPr>
         <p:spPr>
           <a:xfrm>
-            <a:off x="8788399" y="4831558"/>
+            <a:off x="8788398" y="4831558"/>
             <a:ext cx="127001" cy="127001"/>
           </a:xfrm>
           <a:prstGeom prst="rect">
@@ -32302,10 +32064,6 @@
           </p:nvPr>
         </p:nvSpPr>
         <p:spPr>
-          <a:xfrm>
-            <a:off x="228600" y="210311"/>
-            <a:ext cx="4114800" cy="1003809"/>
-          </a:xfrm>
           <a:prstGeom prst="rect">
             <a:avLst/>
           </a:prstGeom>
@@ -32331,7 +32089,7 @@
         </p:nvSpPr>
         <p:spPr>
           <a:xfrm>
-            <a:off x="8788399" y="4831558"/>
+            <a:off x="8788398" y="4831558"/>
             <a:ext cx="127001" cy="127001"/>
           </a:xfrm>
           <a:prstGeom prst="rect">
@@ -32375,7 +32133,7 @@
           <a:p>
             <a:pPr/>
             <a:r>
-              <a:t>Optimize Spending</a:t>
+              <a:t>Risk management</a:t>
             </a:r>
           </a:p>
         </p:txBody>
@@ -32463,10 +32221,6 @@
           </p:nvPr>
         </p:nvSpPr>
         <p:spPr>
-          <a:xfrm>
-            <a:off x="228600" y="210311"/>
-            <a:ext cx="4114800" cy="1003809"/>
-          </a:xfrm>
           <a:prstGeom prst="rect">
             <a:avLst/>
           </a:prstGeom>
@@ -32492,7 +32246,7 @@
         </p:nvSpPr>
         <p:spPr>
           <a:xfrm>
-            <a:off x="8788399" y="4831558"/>
+            <a:off x="8788398" y="4831558"/>
             <a:ext cx="127001" cy="127001"/>
           </a:xfrm>
           <a:prstGeom prst="rect">
@@ -32624,10 +32378,6 @@
           </p:nvPr>
         </p:nvSpPr>
         <p:spPr>
-          <a:xfrm>
-            <a:off x="228600" y="210311"/>
-            <a:ext cx="4114800" cy="1003809"/>
-          </a:xfrm>
           <a:prstGeom prst="rect">
             <a:avLst/>
           </a:prstGeom>
@@ -32653,7 +32403,7 @@
         </p:nvSpPr>
         <p:spPr>
           <a:xfrm>
-            <a:off x="8788399" y="4831558"/>
+            <a:off x="8788398" y="4831558"/>
             <a:ext cx="127001" cy="127001"/>
           </a:xfrm>
           <a:prstGeom prst="rect">
@@ -32684,8 +32434,8 @@
         </p:nvSpPr>
         <p:spPr>
           <a:xfrm>
-            <a:off x="266699" y="2107425"/>
-            <a:ext cx="8364788" cy="1621128"/>
+            <a:off x="266699" y="2107426"/>
+            <a:ext cx="8364788" cy="1621127"/>
           </a:xfrm>
           <a:prstGeom prst="rect">
             <a:avLst/>
@@ -32833,10 +32583,6 @@
           </p:nvPr>
         </p:nvSpPr>
         <p:spPr>
-          <a:xfrm>
-            <a:off x="6857996" y="2571750"/>
-            <a:ext cx="2286002" cy="2571750"/>
-          </a:xfrm>
           <a:prstGeom prst="rect">
             <a:avLst/>
           </a:prstGeom>
@@ -33219,7 +32965,7 @@
         </p:nvSpPr>
         <p:spPr>
           <a:xfrm>
-            <a:off x="8788399" y="4831558"/>
+            <a:off x="8788398" y="4831558"/>
             <a:ext cx="127001" cy="127001"/>
           </a:xfrm>
           <a:prstGeom prst="rect">
